--- a/fuentes/contenidos/grado07/guion10/Mapa_Conceptual_Tema_10.pptx
+++ b/fuentes/contenidos/grado07/guion10/Mapa_Conceptual_Tema_10.pptx
@@ -106,7 +106,18 @@
   </p:defaultTextStyle>
   <p:extLst>
     <p:ext uri="{EFAFB233-063F-42B5-8137-9DF3F51BA10A}">
-      <p15:sldGuideLst xmlns:p15="http://schemas.microsoft.com/office/powerpoint/2012/main" xmlns=""/>
+      <p15:sldGuideLst xmlns:p15="http://schemas.microsoft.com/office/powerpoint/2012/main">
+        <p15:guide id="1" orient="horz" pos="2160">
+          <p15:clr>
+            <a:srgbClr val="A4A3A4"/>
+          </p15:clr>
+        </p15:guide>
+        <p15:guide id="2" pos="2880">
+          <p15:clr>
+            <a:srgbClr val="A4A3A4"/>
+          </p15:clr>
+        </p15:guide>
+      </p15:sldGuideLst>
     </p:ext>
   </p:extLst>
 </p:presentation>
@@ -139,13 +150,6 @@
   <p:clrMapOvr>
     <a:masterClrMapping/>
   </p:clrMapOvr>
-  <p:timing>
-    <p:tnLst>
-      <p:par>
-        <p:cTn id="1" dur="indefinite" restart="never" nodeType="tmRoot"/>
-      </p:par>
-    </p:tnLst>
-  </p:timing>
 </p:sldLayout>
 </file>
 
@@ -176,13 +180,6 @@
   <p:clrMapOvr>
     <a:masterClrMapping/>
   </p:clrMapOvr>
-  <p:timing>
-    <p:tnLst>
-      <p:par>
-        <p:cTn id="1" dur="indefinite" restart="never" nodeType="tmRoot"/>
-      </p:par>
-    </p:tnLst>
-  </p:timing>
 </p:sldLayout>
 </file>
 
@@ -213,13 +210,6 @@
   <p:clrMapOvr>
     <a:masterClrMapping/>
   </p:clrMapOvr>
-  <p:timing>
-    <p:tnLst>
-      <p:par>
-        <p:cTn id="1" dur="indefinite" restart="never" nodeType="tmRoot"/>
-      </p:par>
-    </p:tnLst>
-  </p:timing>
 </p:sldLayout>
 </file>
 
@@ -250,13 +240,6 @@
   <p:clrMapOvr>
     <a:masterClrMapping/>
   </p:clrMapOvr>
-  <p:timing>
-    <p:tnLst>
-      <p:par>
-        <p:cTn id="1" dur="indefinite" restart="never" nodeType="tmRoot"/>
-      </p:par>
-    </p:tnLst>
-  </p:timing>
 </p:sldLayout>
 </file>
 
@@ -287,13 +270,6 @@
   <p:clrMapOvr>
     <a:masterClrMapping/>
   </p:clrMapOvr>
-  <p:timing>
-    <p:tnLst>
-      <p:par>
-        <p:cTn id="1" dur="indefinite" restart="never" nodeType="tmRoot"/>
-      </p:par>
-    </p:tnLst>
-  </p:timing>
 </p:sldLayout>
 </file>
 
@@ -324,13 +300,6 @@
   <p:clrMapOvr>
     <a:masterClrMapping/>
   </p:clrMapOvr>
-  <p:timing>
-    <p:tnLst>
-      <p:par>
-        <p:cTn id="1" dur="indefinite" restart="never" nodeType="tmRoot"/>
-      </p:par>
-    </p:tnLst>
-  </p:timing>
 </p:sldLayout>
 </file>
 
@@ -361,13 +330,6 @@
   <p:clrMapOvr>
     <a:masterClrMapping/>
   </p:clrMapOvr>
-  <p:timing>
-    <p:tnLst>
-      <p:par>
-        <p:cTn id="1" dur="indefinite" restart="never" nodeType="tmRoot"/>
-      </p:par>
-    </p:tnLst>
-  </p:timing>
 </p:sldLayout>
 </file>
 
@@ -398,13 +360,6 @@
   <p:clrMapOvr>
     <a:masterClrMapping/>
   </p:clrMapOvr>
-  <p:timing>
-    <p:tnLst>
-      <p:par>
-        <p:cTn id="1" dur="indefinite" restart="never" nodeType="tmRoot"/>
-      </p:par>
-    </p:tnLst>
-  </p:timing>
 </p:sldLayout>
 </file>
 
@@ -450,7 +405,7 @@
           <a:p>
             <a:fld id="{5001C876-01F7-4317-94B9-1AE222133113}" type="datetimeFigureOut">
               <a:rPr lang="es-ES" smtClean="0"/>
-              <a:t>27/12/2015</a:t>
+              <a:t>02/04/2016</a:t>
             </a:fld>
             <a:endParaRPr lang="es-ES"/>
           </a:p>
@@ -524,13 +479,6 @@
   <p:clrMapOvr>
     <a:masterClrMapping/>
   </p:clrMapOvr>
-  <p:timing>
-    <p:tnLst>
-      <p:par>
-        <p:cTn id="1" dur="indefinite" restart="never" nodeType="tmRoot"/>
-      </p:par>
-    </p:tnLst>
-  </p:timing>
 </p:sldLayout>
 </file>
 
@@ -561,13 +509,6 @@
   <p:clrMapOvr>
     <a:masterClrMapping/>
   </p:clrMapOvr>
-  <p:timing>
-    <p:tnLst>
-      <p:par>
-        <p:cTn id="1" dur="indefinite" restart="never" nodeType="tmRoot"/>
-      </p:par>
-    </p:tnLst>
-  </p:timing>
 </p:sldLayout>
 </file>
 
@@ -598,13 +539,6 @@
   <p:clrMapOvr>
     <a:masterClrMapping/>
   </p:clrMapOvr>
-  <p:timing>
-    <p:tnLst>
-      <p:par>
-        <p:cTn id="1" dur="indefinite" restart="never" nodeType="tmRoot"/>
-      </p:par>
-    </p:tnLst>
-  </p:timing>
 </p:sldLayout>
 </file>
 
@@ -653,10 +587,9 @@
           <a:lstStyle/>
           <a:p>
             <a:r>
-              <a:rPr lang="es-ES" sz="1200" dirty="0" smtClean="0"/>
-              <a:t>© Editorial Planeta Colombiana S.A., 2015.</a:t>
+              <a:rPr lang="es-ES" sz="1200" dirty="0"/>
+              <a:t>© Editorial Planeta Colombiana S.A., 2016.</a:t>
             </a:r>
-            <a:endParaRPr lang="es-ES" sz="1200" dirty="0"/>
           </a:p>
         </p:txBody>
       </p:sp>
@@ -711,13 +644,6 @@
     <p:sldLayoutId id="2147483670" r:id="rId10"/>
     <p:sldLayoutId id="2147483671" r:id="rId11"/>
   </p:sldLayoutIdLst>
-  <p:timing>
-    <p:tnLst>
-      <p:par>
-        <p:cTn id="1" dur="indefinite" restart="never" nodeType="tmRoot"/>
-      </p:par>
-    </p:tnLst>
-  </p:timing>
   <p:txStyles>
     <p:titleStyle>
       <a:lvl1pPr algn="l" defTabSz="914400" rtl="0" eaLnBrk="1" latinLnBrk="0" hangingPunct="1">
@@ -1061,10 +987,9 @@
           <a:p>
             <a:pPr algn="ctr"/>
             <a:r>
-              <a:rPr lang="es-ES" sz="1600" dirty="0" smtClean="0"/>
+              <a:rPr lang="es-ES" sz="1600" dirty="0"/>
               <a:t>Las funciones y las gráficas</a:t>
             </a:r>
-            <a:endParaRPr lang="es-ES" sz="1600" dirty="0"/>
           </a:p>
         </p:txBody>
       </p:sp>
@@ -1076,7 +1001,7 @@
         </p:nvSpPr>
         <p:spPr>
           <a:xfrm>
-            <a:off x="1640319" y="1497819"/>
+            <a:off x="1640319" y="1443114"/>
             <a:ext cx="1122431" cy="230832"/>
           </a:xfrm>
           <a:prstGeom prst="rect">
@@ -1092,10 +1017,9 @@
           <a:p>
             <a:pPr algn="ctr"/>
             <a:r>
-              <a:rPr lang="es-ES" sz="900" dirty="0" smtClean="0"/>
+              <a:rPr lang="es-ES" sz="900" dirty="0"/>
               <a:t>es</a:t>
             </a:r>
-            <a:endParaRPr lang="es-ES" sz="900" dirty="0"/>
           </a:p>
         </p:txBody>
       </p:sp>
@@ -1110,8 +1034,8 @@
         </p:nvCxnSpPr>
         <p:spPr>
           <a:xfrm rot="5400000">
-            <a:off x="3376046" y="123427"/>
-            <a:ext cx="199882" cy="2548903"/>
+            <a:off x="3293984" y="-13341"/>
+            <a:ext cx="364007" cy="2548903"/>
           </a:xfrm>
           <a:prstGeom prst="bentConnector3">
             <a:avLst>
@@ -1147,647 +1071,8 @@
         </p:nvSpPr>
         <p:spPr>
           <a:xfrm>
-            <a:off x="1509690" y="1871679"/>
+            <a:off x="1509690" y="1856049"/>
             <a:ext cx="1383688" cy="357473"/>
-          </a:xfrm>
-          <a:prstGeom prst="rect">
-            <a:avLst/>
-          </a:prstGeom>
-          <a:solidFill>
-            <a:schemeClr val="bg2">
-              <a:lumMod val="50000"/>
-            </a:schemeClr>
-          </a:solidFill>
-          <a:ln>
-            <a:solidFill>
-              <a:schemeClr val="tx1"/>
-            </a:solidFill>
-          </a:ln>
-        </p:spPr>
-        <p:style>
-          <a:lnRef idx="2">
-            <a:schemeClr val="accent6"/>
-          </a:lnRef>
-          <a:fillRef idx="1">
-            <a:schemeClr val="lt1"/>
-          </a:fillRef>
-          <a:effectRef idx="0">
-            <a:schemeClr val="accent6"/>
-          </a:effectRef>
-          <a:fontRef idx="minor">
-            <a:schemeClr val="dk1"/>
-          </a:fontRef>
-        </p:style>
-        <p:txBody>
-          <a:bodyPr rtlCol="0" anchor="ctr"/>
-          <a:lstStyle/>
-          <a:p>
-            <a:pPr algn="ctr"/>
-            <a:r>
-              <a:rPr lang="es-ES" sz="1050" dirty="0" smtClean="0">
-                <a:solidFill>
-                  <a:schemeClr val="bg1"/>
-                </a:solidFill>
-              </a:rPr>
-              <a:t>La  correspondencia entre dos variables</a:t>
-            </a:r>
-            <a:endParaRPr lang="es-ES" sz="1050" dirty="0">
-              <a:solidFill>
-                <a:schemeClr val="bg1"/>
-              </a:solidFill>
-            </a:endParaRPr>
-          </a:p>
-        </p:txBody>
-      </p:sp>
-      <p:cxnSp>
-        <p:nvCxnSpPr>
-          <p:cNvPr id="45" name="Conector angular 44"/>
-          <p:cNvCxnSpPr>
-            <a:stCxn id="19" idx="2"/>
-            <a:endCxn id="44" idx="0"/>
-          </p:cNvCxnSpPr>
-          <p:nvPr/>
-        </p:nvCxnSpPr>
-        <p:spPr>
-          <a:xfrm rot="5400000">
-            <a:off x="2130021" y="1800165"/>
-            <a:ext cx="143028" cy="1"/>
-          </a:xfrm>
-          <a:prstGeom prst="bentConnector3">
-            <a:avLst>
-              <a:gd name="adj1" fmla="val 50000"/>
-            </a:avLst>
-          </a:prstGeom>
-          <a:ln w="12700">
-            <a:solidFill>
-              <a:schemeClr val="tx1"/>
-            </a:solidFill>
-          </a:ln>
-        </p:spPr>
-        <p:style>
-          <a:lnRef idx="1">
-            <a:schemeClr val="accent1"/>
-          </a:lnRef>
-          <a:fillRef idx="0">
-            <a:schemeClr val="accent1"/>
-          </a:fillRef>
-          <a:effectRef idx="0">
-            <a:schemeClr val="accent1"/>
-          </a:effectRef>
-          <a:fontRef idx="minor">
-            <a:schemeClr val="tx1"/>
-          </a:fontRef>
-        </p:style>
-      </p:cxnSp>
-      <p:sp>
-        <p:nvSpPr>
-          <p:cNvPr id="67" name="CuadroTexto 66" descr="Conector entre nodos" title="conector"/>
-          <p:cNvSpPr txBox="1"/>
-          <p:nvPr/>
-        </p:nvSpPr>
-        <p:spPr>
-          <a:xfrm>
-            <a:off x="821912" y="2372179"/>
-            <a:ext cx="1117174" cy="230836"/>
-          </a:xfrm>
-          <a:prstGeom prst="rect">
-            <a:avLst/>
-          </a:prstGeom>
-          <a:noFill/>
-        </p:spPr>
-        <p:txBody>
-          <a:bodyPr wrap="square" rtlCol="0">
-            <a:spAutoFit/>
-          </a:bodyPr>
-          <a:lstStyle/>
-          <a:p>
-            <a:pPr algn="ctr"/>
-            <a:r>
-              <a:rPr lang="es-ES" sz="900" dirty="0"/>
-              <a:t>q</a:t>
-            </a:r>
-            <a:r>
-              <a:rPr lang="es-ES" sz="900" dirty="0" smtClean="0"/>
-              <a:t>ue son</a:t>
-            </a:r>
-            <a:endParaRPr lang="es-ES" sz="900" dirty="0"/>
-          </a:p>
-        </p:txBody>
-      </p:sp>
-      <p:cxnSp>
-        <p:nvCxnSpPr>
-          <p:cNvPr id="68" name="Conector angular 67"/>
-          <p:cNvCxnSpPr>
-            <a:stCxn id="44" idx="2"/>
-            <a:endCxn id="67" idx="0"/>
-          </p:cNvCxnSpPr>
-          <p:nvPr/>
-        </p:nvCxnSpPr>
-        <p:spPr>
-          <a:xfrm rot="5400000">
-            <a:off x="1719504" y="1890148"/>
-            <a:ext cx="143027" cy="821035"/>
-          </a:xfrm>
-          <a:prstGeom prst="bentConnector3">
-            <a:avLst>
-              <a:gd name="adj1" fmla="val 50000"/>
-            </a:avLst>
-          </a:prstGeom>
-          <a:ln w="12700">
-            <a:solidFill>
-              <a:schemeClr val="tx1"/>
-            </a:solidFill>
-          </a:ln>
-        </p:spPr>
-        <p:style>
-          <a:lnRef idx="1">
-            <a:schemeClr val="accent1"/>
-          </a:lnRef>
-          <a:fillRef idx="0">
-            <a:schemeClr val="accent1"/>
-          </a:fillRef>
-          <a:effectRef idx="0">
-            <a:schemeClr val="accent1"/>
-          </a:effectRef>
-          <a:fontRef idx="minor">
-            <a:schemeClr val="tx1"/>
-          </a:fontRef>
-        </p:style>
-      </p:cxnSp>
-      <p:sp>
-        <p:nvSpPr>
-          <p:cNvPr id="72" name="Rectángulo 71" descr="Nodo de tercer nivel" title="Nodo03"/>
-          <p:cNvSpPr/>
-          <p:nvPr/>
-        </p:nvSpPr>
-        <p:spPr>
-          <a:xfrm>
-            <a:off x="820160" y="2746044"/>
-            <a:ext cx="1122431" cy="785677"/>
-          </a:xfrm>
-          <a:prstGeom prst="rect">
-            <a:avLst/>
-          </a:prstGeom>
-          <a:solidFill>
-            <a:schemeClr val="bg2">
-              <a:lumMod val="90000"/>
-            </a:schemeClr>
-          </a:solidFill>
-          <a:ln>
-            <a:solidFill>
-              <a:schemeClr val="tx1"/>
-            </a:solidFill>
-          </a:ln>
-        </p:spPr>
-        <p:style>
-          <a:lnRef idx="2">
-            <a:schemeClr val="accent6"/>
-          </a:lnRef>
-          <a:fillRef idx="1">
-            <a:schemeClr val="lt1"/>
-          </a:fillRef>
-          <a:effectRef idx="0">
-            <a:schemeClr val="accent6"/>
-          </a:effectRef>
-          <a:fontRef idx="minor">
-            <a:schemeClr val="dk1"/>
-          </a:fontRef>
-        </p:style>
-        <p:txBody>
-          <a:bodyPr rtlCol="0" anchor="ctr"/>
-          <a:lstStyle/>
-          <a:p>
-            <a:pPr marL="171450" indent="-171450" algn="ctr">
-              <a:buFont typeface="Arial" pitchFamily="34" charset="0"/>
-              <a:buChar char="•"/>
-            </a:pPr>
-            <a:r>
-              <a:rPr lang="es-ES" sz="900" dirty="0" smtClean="0">
-                <a:solidFill>
-                  <a:schemeClr val="tx1"/>
-                </a:solidFill>
-              </a:rPr>
-              <a:t>Variable independiente</a:t>
-            </a:r>
-          </a:p>
-          <a:p>
-            <a:pPr marL="171450" indent="-171450" algn="ctr">
-              <a:buFont typeface="Arial" pitchFamily="34" charset="0"/>
-              <a:buChar char="•"/>
-            </a:pPr>
-            <a:r>
-              <a:rPr lang="es-ES" sz="900" dirty="0" smtClean="0">
-                <a:solidFill>
-                  <a:schemeClr val="tx1"/>
-                </a:solidFill>
-              </a:rPr>
-              <a:t>Variable dependiente</a:t>
-            </a:r>
-            <a:endParaRPr lang="es-ES" sz="900" dirty="0">
-              <a:solidFill>
-                <a:schemeClr val="tx1"/>
-              </a:solidFill>
-            </a:endParaRPr>
-          </a:p>
-        </p:txBody>
-      </p:sp>
-      <p:cxnSp>
-        <p:nvCxnSpPr>
-          <p:cNvPr id="76" name="Conector angular 75"/>
-          <p:cNvCxnSpPr>
-            <a:stCxn id="67" idx="2"/>
-            <a:endCxn id="72" idx="0"/>
-          </p:cNvCxnSpPr>
-          <p:nvPr/>
-        </p:nvCxnSpPr>
-        <p:spPr>
-          <a:xfrm rot="16200000" flipH="1">
-            <a:off x="1309423" y="2674090"/>
-            <a:ext cx="143029" cy="877"/>
-          </a:xfrm>
-          <a:prstGeom prst="bentConnector3">
-            <a:avLst>
-              <a:gd name="adj1" fmla="val 50000"/>
-            </a:avLst>
-          </a:prstGeom>
-          <a:ln w="12700">
-            <a:solidFill>
-              <a:schemeClr val="tx1"/>
-            </a:solidFill>
-          </a:ln>
-        </p:spPr>
-        <p:style>
-          <a:lnRef idx="1">
-            <a:schemeClr val="accent1"/>
-          </a:lnRef>
-          <a:fillRef idx="0">
-            <a:schemeClr val="accent1"/>
-          </a:fillRef>
-          <a:effectRef idx="0">
-            <a:schemeClr val="accent1"/>
-          </a:effectRef>
-          <a:fontRef idx="minor">
-            <a:schemeClr val="tx1"/>
-          </a:fontRef>
-        </p:style>
-      </p:cxnSp>
-      <p:sp>
-        <p:nvSpPr>
-          <p:cNvPr id="216" name="Rectángulo 215" descr="Nodo de primer nivel" title="Nodo01"/>
-          <p:cNvSpPr/>
-          <p:nvPr/>
-        </p:nvSpPr>
-        <p:spPr>
-          <a:xfrm>
-            <a:off x="4188065" y="858155"/>
-            <a:ext cx="1124746" cy="439782"/>
-          </a:xfrm>
-          <a:prstGeom prst="rect">
-            <a:avLst/>
-          </a:prstGeom>
-          <a:solidFill>
-            <a:schemeClr val="bg1"/>
-          </a:solidFill>
-          <a:ln>
-            <a:solidFill>
-              <a:schemeClr val="tx1"/>
-            </a:solidFill>
-          </a:ln>
-          <a:effectLst>
-            <a:outerShdw blurRad="50800" dist="38100" dir="2700000" algn="tl" rotWithShape="0">
-              <a:prstClr val="black">
-                <a:alpha val="40000"/>
-              </a:prstClr>
-            </a:outerShdw>
-          </a:effectLst>
-        </p:spPr>
-        <p:style>
-          <a:lnRef idx="2">
-            <a:schemeClr val="accent6"/>
-          </a:lnRef>
-          <a:fillRef idx="1">
-            <a:schemeClr val="lt1"/>
-          </a:fillRef>
-          <a:effectRef idx="0">
-            <a:schemeClr val="accent6"/>
-          </a:effectRef>
-          <a:fontRef idx="minor">
-            <a:schemeClr val="dk1"/>
-          </a:fontRef>
-        </p:style>
-        <p:txBody>
-          <a:bodyPr rtlCol="0" anchor="ctr"/>
-          <a:lstStyle/>
-          <a:p>
-            <a:pPr algn="ctr"/>
-            <a:r>
-              <a:rPr lang="es-ES" sz="1200" b="1" dirty="0" smtClean="0"/>
-              <a:t>Función</a:t>
-            </a:r>
-            <a:endParaRPr lang="es-ES" sz="1200" b="1" dirty="0"/>
-          </a:p>
-        </p:txBody>
-      </p:sp>
-      <p:sp>
-        <p:nvSpPr>
-          <p:cNvPr id="218" name="CuadroTexto 217" descr="Conector entre nodos" title="conector"/>
-          <p:cNvSpPr txBox="1"/>
-          <p:nvPr/>
-        </p:nvSpPr>
-        <p:spPr>
-          <a:xfrm>
-            <a:off x="3780406" y="1497820"/>
-            <a:ext cx="1122431" cy="230832"/>
-          </a:xfrm>
-          <a:prstGeom prst="rect">
-            <a:avLst/>
-          </a:prstGeom>
-          <a:noFill/>
-        </p:spPr>
-        <p:txBody>
-          <a:bodyPr wrap="square" rtlCol="0">
-            <a:spAutoFit/>
-          </a:bodyPr>
-          <a:lstStyle/>
-          <a:p>
-            <a:pPr algn="ctr"/>
-            <a:r>
-              <a:rPr lang="es-ES" sz="900" dirty="0"/>
-              <a:t>s</a:t>
-            </a:r>
-            <a:r>
-              <a:rPr lang="es-ES" sz="900" dirty="0" smtClean="0"/>
-              <a:t>e simboliza</a:t>
-            </a:r>
-            <a:endParaRPr lang="es-ES" sz="900" dirty="0"/>
-          </a:p>
-        </p:txBody>
-      </p:sp>
-      <p:cxnSp>
-        <p:nvCxnSpPr>
-          <p:cNvPr id="219" name="Conector angular 218"/>
-          <p:cNvCxnSpPr>
-            <a:stCxn id="216" idx="2"/>
-            <a:endCxn id="218" idx="0"/>
-          </p:cNvCxnSpPr>
-          <p:nvPr/>
-        </p:nvCxnSpPr>
-        <p:spPr>
-          <a:xfrm rot="5400000">
-            <a:off x="4446089" y="1193470"/>
-            <a:ext cx="199883" cy="408816"/>
-          </a:xfrm>
-          <a:prstGeom prst="bentConnector3">
-            <a:avLst>
-              <a:gd name="adj1" fmla="val 50000"/>
-            </a:avLst>
-          </a:prstGeom>
-          <a:ln w="12700">
-            <a:solidFill>
-              <a:schemeClr val="tx1"/>
-            </a:solidFill>
-          </a:ln>
-        </p:spPr>
-        <p:style>
-          <a:lnRef idx="1">
-            <a:schemeClr val="accent1"/>
-          </a:lnRef>
-          <a:fillRef idx="0">
-            <a:schemeClr val="accent1"/>
-          </a:fillRef>
-          <a:effectRef idx="0">
-            <a:schemeClr val="accent1"/>
-          </a:effectRef>
-          <a:fontRef idx="minor">
-            <a:schemeClr val="tx1"/>
-          </a:fontRef>
-        </p:style>
-      </p:cxnSp>
-      <p:sp>
-        <p:nvSpPr>
-          <p:cNvPr id="222" name="CuadroTexto 221" descr="Conector entre nodos" title="conector"/>
-          <p:cNvSpPr txBox="1"/>
-          <p:nvPr/>
-        </p:nvSpPr>
-        <p:spPr>
-          <a:xfrm>
-            <a:off x="2396932" y="2372172"/>
-            <a:ext cx="1117174" cy="230836"/>
-          </a:xfrm>
-          <a:prstGeom prst="rect">
-            <a:avLst/>
-          </a:prstGeom>
-          <a:noFill/>
-        </p:spPr>
-        <p:txBody>
-          <a:bodyPr wrap="square" rtlCol="0">
-            <a:spAutoFit/>
-          </a:bodyPr>
-          <a:lstStyle/>
-          <a:p>
-            <a:pPr algn="ctr"/>
-            <a:r>
-              <a:rPr lang="es-ES" sz="900" dirty="0"/>
-              <a:t>c</a:t>
-            </a:r>
-            <a:r>
-              <a:rPr lang="es-ES" sz="900" dirty="0" smtClean="0"/>
-              <a:t>aracterizada por</a:t>
-            </a:r>
-            <a:endParaRPr lang="es-ES" sz="900" dirty="0"/>
-          </a:p>
-        </p:txBody>
-      </p:sp>
-      <p:cxnSp>
-        <p:nvCxnSpPr>
-          <p:cNvPr id="223" name="Conector angular 222"/>
-          <p:cNvCxnSpPr>
-            <a:stCxn id="44" idx="2"/>
-            <a:endCxn id="222" idx="0"/>
-          </p:cNvCxnSpPr>
-          <p:nvPr/>
-        </p:nvCxnSpPr>
-        <p:spPr>
-          <a:xfrm rot="16200000" flipH="1">
-            <a:off x="2507016" y="1923669"/>
-            <a:ext cx="143020" cy="753985"/>
-          </a:xfrm>
-          <a:prstGeom prst="bentConnector3">
-            <a:avLst>
-              <a:gd name="adj1" fmla="val 50000"/>
-            </a:avLst>
-          </a:prstGeom>
-          <a:ln w="12700">
-            <a:solidFill>
-              <a:schemeClr val="tx1"/>
-            </a:solidFill>
-          </a:ln>
-        </p:spPr>
-        <p:style>
-          <a:lnRef idx="1">
-            <a:schemeClr val="accent1"/>
-          </a:lnRef>
-          <a:fillRef idx="0">
-            <a:schemeClr val="accent1"/>
-          </a:fillRef>
-          <a:effectRef idx="0">
-            <a:schemeClr val="accent1"/>
-          </a:effectRef>
-          <a:fontRef idx="minor">
-            <a:schemeClr val="tx1"/>
-          </a:fontRef>
-        </p:style>
-      </p:cxnSp>
-      <p:sp>
-        <p:nvSpPr>
-          <p:cNvPr id="256" name="Rectángulo 255" descr="Nodo de tercer nivel" title="Nodo03"/>
-          <p:cNvSpPr/>
-          <p:nvPr/>
-        </p:nvSpPr>
-        <p:spPr>
-          <a:xfrm>
-            <a:off x="2314576" y="2746043"/>
-            <a:ext cx="1295400" cy="785678"/>
-          </a:xfrm>
-          <a:prstGeom prst="rect">
-            <a:avLst/>
-          </a:prstGeom>
-          <a:solidFill>
-            <a:schemeClr val="bg2">
-              <a:lumMod val="90000"/>
-            </a:schemeClr>
-          </a:solidFill>
-          <a:ln>
-            <a:solidFill>
-              <a:schemeClr val="tx1"/>
-            </a:solidFill>
-          </a:ln>
-        </p:spPr>
-        <p:style>
-          <a:lnRef idx="2">
-            <a:schemeClr val="accent6"/>
-          </a:lnRef>
-          <a:fillRef idx="1">
-            <a:schemeClr val="lt1"/>
-          </a:fillRef>
-          <a:effectRef idx="0">
-            <a:schemeClr val="accent6"/>
-          </a:effectRef>
-          <a:fontRef idx="minor">
-            <a:schemeClr val="dk1"/>
-          </a:fontRef>
-        </p:style>
-        <p:txBody>
-          <a:bodyPr rtlCol="0" anchor="ctr"/>
-          <a:lstStyle/>
-          <a:p>
-            <a:pPr algn="ctr"/>
-            <a:r>
-              <a:rPr lang="es-ES" sz="900" dirty="0" smtClean="0">
-                <a:solidFill>
-                  <a:schemeClr val="tx1"/>
-                </a:solidFill>
-              </a:rPr>
-              <a:t>A un valor de la variable independiente le corresponde un solo valor de la variable dependiente </a:t>
-            </a:r>
-            <a:endParaRPr lang="es-ES" sz="900" dirty="0">
-              <a:solidFill>
-                <a:schemeClr val="tx1"/>
-              </a:solidFill>
-            </a:endParaRPr>
-          </a:p>
-        </p:txBody>
-      </p:sp>
-      <p:cxnSp>
-        <p:nvCxnSpPr>
-          <p:cNvPr id="260" name="Conector angular 259"/>
-          <p:cNvCxnSpPr>
-            <a:stCxn id="222" idx="2"/>
-            <a:endCxn id="256" idx="0"/>
-          </p:cNvCxnSpPr>
-          <p:nvPr/>
-        </p:nvCxnSpPr>
-        <p:spPr>
-          <a:xfrm rot="16200000" flipH="1">
-            <a:off x="2887380" y="2671146"/>
-            <a:ext cx="143035" cy="6757"/>
-          </a:xfrm>
-          <a:prstGeom prst="bentConnector3">
-            <a:avLst>
-              <a:gd name="adj1" fmla="val 50000"/>
-            </a:avLst>
-          </a:prstGeom>
-          <a:ln w="12700">
-            <a:solidFill>
-              <a:schemeClr val="tx1"/>
-            </a:solidFill>
-          </a:ln>
-        </p:spPr>
-        <p:style>
-          <a:lnRef idx="1">
-            <a:schemeClr val="accent1"/>
-          </a:lnRef>
-          <a:fillRef idx="0">
-            <a:schemeClr val="accent1"/>
-          </a:fillRef>
-          <a:effectRef idx="0">
-            <a:schemeClr val="accent1"/>
-          </a:effectRef>
-          <a:fontRef idx="minor">
-            <a:schemeClr val="tx1"/>
-          </a:fontRef>
-        </p:style>
-      </p:cxnSp>
-      <p:cxnSp>
-        <p:nvCxnSpPr>
-          <p:cNvPr id="275" name="Conector angular 274"/>
-          <p:cNvCxnSpPr>
-            <a:stCxn id="4" idx="2"/>
-            <a:endCxn id="216" idx="0"/>
-          </p:cNvCxnSpPr>
-          <p:nvPr/>
-        </p:nvCxnSpPr>
-        <p:spPr>
-          <a:xfrm rot="5400000">
-            <a:off x="4537509" y="644066"/>
-            <a:ext cx="427019" cy="1159"/>
-          </a:xfrm>
-          <a:prstGeom prst="bentConnector3">
-            <a:avLst>
-              <a:gd name="adj1" fmla="val 50000"/>
-            </a:avLst>
-          </a:prstGeom>
-          <a:ln w="12700">
-            <a:solidFill>
-              <a:schemeClr val="tx1"/>
-            </a:solidFill>
-          </a:ln>
-        </p:spPr>
-        <p:style>
-          <a:lnRef idx="1">
-            <a:schemeClr val="accent1"/>
-          </a:lnRef>
-          <a:fillRef idx="0">
-            <a:schemeClr val="accent1"/>
-          </a:fillRef>
-          <a:effectRef idx="0">
-            <a:schemeClr val="accent1"/>
-          </a:effectRef>
-          <a:fontRef idx="minor">
-            <a:schemeClr val="tx1"/>
-          </a:fontRef>
-        </p:style>
-      </p:cxnSp>
-      <p:sp>
-        <p:nvSpPr>
-          <p:cNvPr id="280" name="Rectángulo 279" descr="Nodo de segundo nivel" title="Nodo02"/>
-          <p:cNvSpPr/>
-          <p:nvPr/>
-        </p:nvSpPr>
-        <p:spPr>
-          <a:xfrm>
-            <a:off x="3778091" y="1871680"/>
-            <a:ext cx="1124746" cy="357473"/>
           </a:xfrm>
           <a:prstGeom prst="rect">
             <a:avLst/>
@@ -1828,18 +1113,618 @@
                   <a:schemeClr val="bg1"/>
                 </a:solidFill>
               </a:rPr>
-              <a:t>f</a:t>
+              <a:t>la  correspondencia entre dos variables</a:t>
             </a:r>
+          </a:p>
+        </p:txBody>
+      </p:sp>
+      <p:cxnSp>
+        <p:nvCxnSpPr>
+          <p:cNvPr id="45" name="Conector angular 44"/>
+          <p:cNvCxnSpPr>
+            <a:stCxn id="19" idx="2"/>
+            <a:endCxn id="44" idx="0"/>
+          </p:cNvCxnSpPr>
+          <p:nvPr/>
+        </p:nvCxnSpPr>
+        <p:spPr>
+          <a:xfrm rot="5400000">
+            <a:off x="2110484" y="1764997"/>
+            <a:ext cx="182103" cy="1"/>
+          </a:xfrm>
+          <a:prstGeom prst="bentConnector3">
+            <a:avLst>
+              <a:gd name="adj1" fmla="val 50000"/>
+            </a:avLst>
+          </a:prstGeom>
+          <a:ln w="12700">
+            <a:solidFill>
+              <a:schemeClr val="tx1"/>
+            </a:solidFill>
+          </a:ln>
+        </p:spPr>
+        <p:style>
+          <a:lnRef idx="1">
+            <a:schemeClr val="accent1"/>
+          </a:lnRef>
+          <a:fillRef idx="0">
+            <a:schemeClr val="accent1"/>
+          </a:fillRef>
+          <a:effectRef idx="0">
+            <a:schemeClr val="accent1"/>
+          </a:effectRef>
+          <a:fontRef idx="minor">
+            <a:schemeClr val="tx1"/>
+          </a:fontRef>
+        </p:style>
+      </p:cxnSp>
+      <p:sp>
+        <p:nvSpPr>
+          <p:cNvPr id="67" name="CuadroTexto 66" descr="Conector entre nodos" title="conector"/>
+          <p:cNvSpPr txBox="1"/>
+          <p:nvPr/>
+        </p:nvSpPr>
+        <p:spPr>
+          <a:xfrm>
+            <a:off x="892247" y="2395624"/>
+            <a:ext cx="1117174" cy="230836"/>
+          </a:xfrm>
+          <a:prstGeom prst="rect">
+            <a:avLst/>
+          </a:prstGeom>
+          <a:noFill/>
+        </p:spPr>
+        <p:txBody>
+          <a:bodyPr wrap="square" rtlCol="0">
+            <a:spAutoFit/>
+          </a:bodyPr>
+          <a:lstStyle/>
+          <a:p>
+            <a:pPr algn="ctr"/>
             <a:r>
-              <a:rPr lang="es-ES" sz="1050" dirty="0" smtClean="0">
+              <a:rPr lang="es-ES" sz="900" dirty="0"/>
+              <a:t>que son</a:t>
+            </a:r>
+          </a:p>
+        </p:txBody>
+      </p:sp>
+      <p:cxnSp>
+        <p:nvCxnSpPr>
+          <p:cNvPr id="68" name="Conector angular 67"/>
+          <p:cNvCxnSpPr>
+            <a:stCxn id="44" idx="2"/>
+            <a:endCxn id="67" idx="0"/>
+          </p:cNvCxnSpPr>
+          <p:nvPr/>
+        </p:nvCxnSpPr>
+        <p:spPr>
+          <a:xfrm rot="5400000">
+            <a:off x="1735133" y="1929223"/>
+            <a:ext cx="182102" cy="750700"/>
+          </a:xfrm>
+          <a:prstGeom prst="bentConnector3">
+            <a:avLst>
+              <a:gd name="adj1" fmla="val 50000"/>
+            </a:avLst>
+          </a:prstGeom>
+          <a:ln w="12700">
+            <a:solidFill>
+              <a:schemeClr val="tx1"/>
+            </a:solidFill>
+          </a:ln>
+        </p:spPr>
+        <p:style>
+          <a:lnRef idx="1">
+            <a:schemeClr val="accent1"/>
+          </a:lnRef>
+          <a:fillRef idx="0">
+            <a:schemeClr val="accent1"/>
+          </a:fillRef>
+          <a:effectRef idx="0">
+            <a:schemeClr val="accent1"/>
+          </a:effectRef>
+          <a:fontRef idx="minor">
+            <a:schemeClr val="tx1"/>
+          </a:fontRef>
+        </p:style>
+      </p:cxnSp>
+      <p:sp>
+        <p:nvSpPr>
+          <p:cNvPr id="72" name="Rectángulo 71" descr="Nodo de tercer nivel" title="Nodo03"/>
+          <p:cNvSpPr/>
+          <p:nvPr/>
+        </p:nvSpPr>
+        <p:spPr>
+          <a:xfrm>
+            <a:off x="719013" y="2746044"/>
+            <a:ext cx="1458951" cy="785677"/>
+          </a:xfrm>
+          <a:prstGeom prst="rect">
+            <a:avLst/>
+          </a:prstGeom>
+          <a:solidFill>
+            <a:schemeClr val="bg2">
+              <a:lumMod val="90000"/>
+            </a:schemeClr>
+          </a:solidFill>
+          <a:ln>
+            <a:solidFill>
+              <a:schemeClr val="tx1"/>
+            </a:solidFill>
+          </a:ln>
+        </p:spPr>
+        <p:style>
+          <a:lnRef idx="2">
+            <a:schemeClr val="accent6"/>
+          </a:lnRef>
+          <a:fillRef idx="1">
+            <a:schemeClr val="lt1"/>
+          </a:fillRef>
+          <a:effectRef idx="0">
+            <a:schemeClr val="accent6"/>
+          </a:effectRef>
+          <a:fontRef idx="minor">
+            <a:schemeClr val="dk1"/>
+          </a:fontRef>
+        </p:style>
+        <p:txBody>
+          <a:bodyPr rtlCol="0" anchor="ctr"/>
+          <a:lstStyle/>
+          <a:p>
+            <a:pPr marL="171450" indent="-171450">
+              <a:buFont typeface="Arial" pitchFamily="34" charset="0"/>
+              <a:buChar char="•"/>
+            </a:pPr>
+            <a:r>
+              <a:rPr lang="es-ES" sz="900" dirty="0">
+                <a:solidFill>
+                  <a:schemeClr val="tx1"/>
+                </a:solidFill>
+              </a:rPr>
+              <a:t>variable independiente</a:t>
+            </a:r>
+          </a:p>
+          <a:p>
+            <a:pPr marL="171450" indent="-171450">
+              <a:buFont typeface="Arial" pitchFamily="34" charset="0"/>
+              <a:buChar char="•"/>
+            </a:pPr>
+            <a:r>
+              <a:rPr lang="es-ES" sz="900" dirty="0">
+                <a:solidFill>
+                  <a:schemeClr val="tx1"/>
+                </a:solidFill>
+              </a:rPr>
+              <a:t>variable dependiente</a:t>
+            </a:r>
+          </a:p>
+        </p:txBody>
+      </p:sp>
+      <p:cxnSp>
+        <p:nvCxnSpPr>
+          <p:cNvPr id="76" name="Conector angular 75"/>
+          <p:cNvCxnSpPr>
+            <a:stCxn id="67" idx="2"/>
+            <a:endCxn id="72" idx="0"/>
+          </p:cNvCxnSpPr>
+          <p:nvPr/>
+        </p:nvCxnSpPr>
+        <p:spPr>
+          <a:xfrm rot="5400000">
+            <a:off x="1389870" y="2685080"/>
+            <a:ext cx="119584" cy="2345"/>
+          </a:xfrm>
+          <a:prstGeom prst="bentConnector3">
+            <a:avLst>
+              <a:gd name="adj1" fmla="val 50000"/>
+            </a:avLst>
+          </a:prstGeom>
+          <a:ln w="12700">
+            <a:solidFill>
+              <a:schemeClr val="tx1"/>
+            </a:solidFill>
+          </a:ln>
+        </p:spPr>
+        <p:style>
+          <a:lnRef idx="1">
+            <a:schemeClr val="accent1"/>
+          </a:lnRef>
+          <a:fillRef idx="0">
+            <a:schemeClr val="accent1"/>
+          </a:fillRef>
+          <a:effectRef idx="0">
+            <a:schemeClr val="accent1"/>
+          </a:effectRef>
+          <a:fontRef idx="minor">
+            <a:schemeClr val="tx1"/>
+          </a:fontRef>
+        </p:style>
+      </p:cxnSp>
+      <p:sp>
+        <p:nvSpPr>
+          <p:cNvPr id="216" name="Rectángulo 215" descr="Nodo de primer nivel" title="Nodo01"/>
+          <p:cNvSpPr/>
+          <p:nvPr/>
+        </p:nvSpPr>
+        <p:spPr>
+          <a:xfrm>
+            <a:off x="4188065" y="639325"/>
+            <a:ext cx="1124746" cy="439782"/>
+          </a:xfrm>
+          <a:prstGeom prst="rect">
+            <a:avLst/>
+          </a:prstGeom>
+          <a:solidFill>
+            <a:schemeClr val="bg1"/>
+          </a:solidFill>
+          <a:ln>
+            <a:solidFill>
+              <a:schemeClr val="tx1"/>
+            </a:solidFill>
+          </a:ln>
+          <a:effectLst>
+            <a:outerShdw blurRad="50800" dist="38100" dir="2700000" algn="tl" rotWithShape="0">
+              <a:prstClr val="black">
+                <a:alpha val="40000"/>
+              </a:prstClr>
+            </a:outerShdw>
+          </a:effectLst>
+        </p:spPr>
+        <p:style>
+          <a:lnRef idx="2">
+            <a:schemeClr val="accent6"/>
+          </a:lnRef>
+          <a:fillRef idx="1">
+            <a:schemeClr val="lt1"/>
+          </a:fillRef>
+          <a:effectRef idx="0">
+            <a:schemeClr val="accent6"/>
+          </a:effectRef>
+          <a:fontRef idx="minor">
+            <a:schemeClr val="dk1"/>
+          </a:fontRef>
+        </p:style>
+        <p:txBody>
+          <a:bodyPr rtlCol="0" anchor="ctr"/>
+          <a:lstStyle/>
+          <a:p>
+            <a:pPr algn="ctr"/>
+            <a:r>
+              <a:rPr lang="es-ES" sz="1200" b="1" dirty="0"/>
+              <a:t>Función</a:t>
+            </a:r>
+          </a:p>
+        </p:txBody>
+      </p:sp>
+      <p:sp>
+        <p:nvSpPr>
+          <p:cNvPr id="218" name="CuadroTexto 217" descr="Conector entre nodos" title="conector"/>
+          <p:cNvSpPr txBox="1"/>
+          <p:nvPr/>
+        </p:nvSpPr>
+        <p:spPr>
+          <a:xfrm>
+            <a:off x="3780406" y="1443115"/>
+            <a:ext cx="1122431" cy="230832"/>
+          </a:xfrm>
+          <a:prstGeom prst="rect">
+            <a:avLst/>
+          </a:prstGeom>
+          <a:noFill/>
+        </p:spPr>
+        <p:txBody>
+          <a:bodyPr wrap="square" rtlCol="0">
+            <a:spAutoFit/>
+          </a:bodyPr>
+          <a:lstStyle/>
+          <a:p>
+            <a:pPr algn="ctr"/>
+            <a:r>
+              <a:rPr lang="es-ES" sz="900" dirty="0"/>
+              <a:t>se simboliza</a:t>
+            </a:r>
+          </a:p>
+        </p:txBody>
+      </p:sp>
+      <p:cxnSp>
+        <p:nvCxnSpPr>
+          <p:cNvPr id="219" name="Conector angular 218"/>
+          <p:cNvCxnSpPr>
+            <a:stCxn id="216" idx="2"/>
+            <a:endCxn id="218" idx="0"/>
+          </p:cNvCxnSpPr>
+          <p:nvPr/>
+        </p:nvCxnSpPr>
+        <p:spPr>
+          <a:xfrm rot="5400000">
+            <a:off x="4364026" y="1056703"/>
+            <a:ext cx="364008" cy="408816"/>
+          </a:xfrm>
+          <a:prstGeom prst="bentConnector3">
+            <a:avLst>
+              <a:gd name="adj1" fmla="val 50000"/>
+            </a:avLst>
+          </a:prstGeom>
+          <a:ln w="12700">
+            <a:solidFill>
+              <a:schemeClr val="tx1"/>
+            </a:solidFill>
+          </a:ln>
+        </p:spPr>
+        <p:style>
+          <a:lnRef idx="1">
+            <a:schemeClr val="accent1"/>
+          </a:lnRef>
+          <a:fillRef idx="0">
+            <a:schemeClr val="accent1"/>
+          </a:fillRef>
+          <a:effectRef idx="0">
+            <a:schemeClr val="accent1"/>
+          </a:effectRef>
+          <a:fontRef idx="minor">
+            <a:schemeClr val="tx1"/>
+          </a:fontRef>
+        </p:style>
+      </p:cxnSp>
+      <p:sp>
+        <p:nvSpPr>
+          <p:cNvPr id="222" name="CuadroTexto 221" descr="Conector entre nodos" title="conector"/>
+          <p:cNvSpPr txBox="1"/>
+          <p:nvPr/>
+        </p:nvSpPr>
+        <p:spPr>
+          <a:xfrm>
+            <a:off x="2396932" y="2395617"/>
+            <a:ext cx="1117174" cy="230836"/>
+          </a:xfrm>
+          <a:prstGeom prst="rect">
+            <a:avLst/>
+          </a:prstGeom>
+          <a:noFill/>
+        </p:spPr>
+        <p:txBody>
+          <a:bodyPr wrap="square" rtlCol="0">
+            <a:spAutoFit/>
+          </a:bodyPr>
+          <a:lstStyle/>
+          <a:p>
+            <a:pPr algn="ctr"/>
+            <a:r>
+              <a:rPr lang="es-ES" sz="900" dirty="0"/>
+              <a:t>caracterizada por</a:t>
+            </a:r>
+          </a:p>
+        </p:txBody>
+      </p:sp>
+      <p:cxnSp>
+        <p:nvCxnSpPr>
+          <p:cNvPr id="223" name="Conector angular 222"/>
+          <p:cNvCxnSpPr>
+            <a:stCxn id="44" idx="2"/>
+            <a:endCxn id="222" idx="0"/>
+          </p:cNvCxnSpPr>
+          <p:nvPr/>
+        </p:nvCxnSpPr>
+        <p:spPr>
+          <a:xfrm rot="16200000" flipH="1">
+            <a:off x="2487479" y="1927576"/>
+            <a:ext cx="182095" cy="753985"/>
+          </a:xfrm>
+          <a:prstGeom prst="bentConnector3">
+            <a:avLst>
+              <a:gd name="adj1" fmla="val 50000"/>
+            </a:avLst>
+          </a:prstGeom>
+          <a:ln w="12700">
+            <a:solidFill>
+              <a:schemeClr val="tx1"/>
+            </a:solidFill>
+          </a:ln>
+        </p:spPr>
+        <p:style>
+          <a:lnRef idx="1">
+            <a:schemeClr val="accent1"/>
+          </a:lnRef>
+          <a:fillRef idx="0">
+            <a:schemeClr val="accent1"/>
+          </a:fillRef>
+          <a:effectRef idx="0">
+            <a:schemeClr val="accent1"/>
+          </a:effectRef>
+          <a:fontRef idx="minor">
+            <a:schemeClr val="tx1"/>
+          </a:fontRef>
+        </p:style>
+      </p:cxnSp>
+      <p:sp>
+        <p:nvSpPr>
+          <p:cNvPr id="256" name="Rectángulo 255" descr="Nodo de tercer nivel" title="Nodo03"/>
+          <p:cNvSpPr/>
+          <p:nvPr/>
+        </p:nvSpPr>
+        <p:spPr>
+          <a:xfrm>
+            <a:off x="2306761" y="2746043"/>
+            <a:ext cx="1295400" cy="785678"/>
+          </a:xfrm>
+          <a:prstGeom prst="rect">
+            <a:avLst/>
+          </a:prstGeom>
+          <a:solidFill>
+            <a:schemeClr val="bg2">
+              <a:lumMod val="90000"/>
+            </a:schemeClr>
+          </a:solidFill>
+          <a:ln>
+            <a:solidFill>
+              <a:schemeClr val="tx1"/>
+            </a:solidFill>
+          </a:ln>
+        </p:spPr>
+        <p:style>
+          <a:lnRef idx="2">
+            <a:schemeClr val="accent6"/>
+          </a:lnRef>
+          <a:fillRef idx="1">
+            <a:schemeClr val="lt1"/>
+          </a:fillRef>
+          <a:effectRef idx="0">
+            <a:schemeClr val="accent6"/>
+          </a:effectRef>
+          <a:fontRef idx="minor">
+            <a:schemeClr val="dk1"/>
+          </a:fontRef>
+        </p:style>
+        <p:txBody>
+          <a:bodyPr rtlCol="0" anchor="ctr"/>
+          <a:lstStyle/>
+          <a:p>
+            <a:pPr algn="ctr"/>
+            <a:r>
+              <a:rPr lang="es-ES" sz="900" dirty="0">
+                <a:solidFill>
+                  <a:schemeClr val="tx1"/>
+                </a:solidFill>
+              </a:rPr>
+              <a:t>a un valor de la variable independiente le corresponde un solo valor de la variable dependiente </a:t>
+            </a:r>
+          </a:p>
+        </p:txBody>
+      </p:sp>
+      <p:cxnSp>
+        <p:nvCxnSpPr>
+          <p:cNvPr id="260" name="Conector angular 259"/>
+          <p:cNvCxnSpPr>
+            <a:stCxn id="222" idx="2"/>
+            <a:endCxn id="256" idx="0"/>
+          </p:cNvCxnSpPr>
+          <p:nvPr/>
+        </p:nvCxnSpPr>
+        <p:spPr>
+          <a:xfrm rot="5400000">
+            <a:off x="2895195" y="2685719"/>
+            <a:ext cx="119590" cy="1058"/>
+          </a:xfrm>
+          <a:prstGeom prst="bentConnector3">
+            <a:avLst>
+              <a:gd name="adj1" fmla="val 50000"/>
+            </a:avLst>
+          </a:prstGeom>
+          <a:ln w="12700">
+            <a:solidFill>
+              <a:schemeClr val="tx1"/>
+            </a:solidFill>
+          </a:ln>
+        </p:spPr>
+        <p:style>
+          <a:lnRef idx="1">
+            <a:schemeClr val="accent1"/>
+          </a:lnRef>
+          <a:fillRef idx="0">
+            <a:schemeClr val="accent1"/>
+          </a:fillRef>
+          <a:effectRef idx="0">
+            <a:schemeClr val="accent1"/>
+          </a:effectRef>
+          <a:fontRef idx="minor">
+            <a:schemeClr val="tx1"/>
+          </a:fontRef>
+        </p:style>
+      </p:cxnSp>
+      <p:cxnSp>
+        <p:nvCxnSpPr>
+          <p:cNvPr id="275" name="Conector angular 274"/>
+          <p:cNvCxnSpPr>
+            <a:stCxn id="4" idx="2"/>
+            <a:endCxn id="216" idx="0"/>
+          </p:cNvCxnSpPr>
+          <p:nvPr/>
+        </p:nvCxnSpPr>
+        <p:spPr>
+          <a:xfrm rot="5400000">
+            <a:off x="4646924" y="534651"/>
+            <a:ext cx="208189" cy="1159"/>
+          </a:xfrm>
+          <a:prstGeom prst="bentConnector3">
+            <a:avLst>
+              <a:gd name="adj1" fmla="val 50000"/>
+            </a:avLst>
+          </a:prstGeom>
+          <a:ln w="12700">
+            <a:solidFill>
+              <a:schemeClr val="tx1"/>
+            </a:solidFill>
+          </a:ln>
+        </p:spPr>
+        <p:style>
+          <a:lnRef idx="1">
+            <a:schemeClr val="accent1"/>
+          </a:lnRef>
+          <a:fillRef idx="0">
+            <a:schemeClr val="accent1"/>
+          </a:fillRef>
+          <a:effectRef idx="0">
+            <a:schemeClr val="accent1"/>
+          </a:effectRef>
+          <a:fontRef idx="minor">
+            <a:schemeClr val="tx1"/>
+          </a:fontRef>
+        </p:style>
+      </p:cxnSp>
+      <p:sp>
+        <p:nvSpPr>
+          <p:cNvPr id="280" name="Rectángulo 279" descr="Nodo de segundo nivel" title="Nodo02"/>
+          <p:cNvSpPr/>
+          <p:nvPr/>
+        </p:nvSpPr>
+        <p:spPr>
+          <a:xfrm>
+            <a:off x="3778091" y="1871680"/>
+            <a:ext cx="1124746" cy="357473"/>
+          </a:xfrm>
+          <a:prstGeom prst="rect">
+            <a:avLst/>
+          </a:prstGeom>
+          <a:solidFill>
+            <a:schemeClr val="bg2">
+              <a:lumMod val="50000"/>
+            </a:schemeClr>
+          </a:solidFill>
+          <a:ln>
+            <a:solidFill>
+              <a:schemeClr val="tx1"/>
+            </a:solidFill>
+          </a:ln>
+        </p:spPr>
+        <p:style>
+          <a:lnRef idx="2">
+            <a:schemeClr val="accent6"/>
+          </a:lnRef>
+          <a:fillRef idx="1">
+            <a:schemeClr val="lt1"/>
+          </a:fillRef>
+          <a:effectRef idx="0">
+            <a:schemeClr val="accent6"/>
+          </a:effectRef>
+          <a:fontRef idx="minor">
+            <a:schemeClr val="dk1"/>
+          </a:fontRef>
+        </p:style>
+        <p:txBody>
+          <a:bodyPr rtlCol="0" anchor="ctr"/>
+          <a:lstStyle/>
+          <a:p>
+            <a:pPr algn="ctr"/>
+            <a:r>
+              <a:rPr lang="es-ES" sz="1050" dirty="0">
                 <a:solidFill>
                   <a:schemeClr val="bg1"/>
                 </a:solidFill>
               </a:rPr>
-              <a:t>(</a:t>
+              <a:t>f(</a:t>
             </a:r>
             <a:r>
-              <a:rPr lang="es-ES" sz="1050" i="1" dirty="0" smtClean="0">
+              <a:rPr lang="es-ES" sz="1050" i="1" dirty="0">
                 <a:solidFill>
                   <a:schemeClr val="bg1"/>
                 </a:solidFill>
@@ -1847,18 +1732,13 @@
               <a:t>x</a:t>
             </a:r>
             <a:r>
-              <a:rPr lang="es-ES" sz="1050" dirty="0" smtClean="0">
+              <a:rPr lang="es-ES" sz="1050" dirty="0">
                 <a:solidFill>
                   <a:schemeClr val="bg1"/>
                 </a:solidFill>
               </a:rPr>
               <a:t>)</a:t>
             </a:r>
-            <a:endParaRPr lang="es-ES" sz="1050" dirty="0">
-              <a:solidFill>
-                <a:schemeClr val="bg1"/>
-              </a:solidFill>
-            </a:endParaRPr>
           </a:p>
         </p:txBody>
       </p:sp>
@@ -1873,8 +1753,8 @@
         </p:nvCxnSpPr>
         <p:spPr>
           <a:xfrm rot="5400000">
-            <a:off x="4269529" y="1799587"/>
-            <a:ext cx="143028" cy="1158"/>
+            <a:off x="4242177" y="1772234"/>
+            <a:ext cx="197733" cy="1158"/>
           </a:xfrm>
           <a:prstGeom prst="bentConnector3">
             <a:avLst>
@@ -1927,13 +1807,8 @@
             <a:pPr algn="ctr"/>
             <a:r>
               <a:rPr lang="es-ES" sz="900" dirty="0"/>
-              <a:t>s</a:t>
+              <a:t>se lee</a:t>
             </a:r>
-            <a:r>
-              <a:rPr lang="es-ES" sz="900" dirty="0" smtClean="0"/>
-              <a:t>e lee</a:t>
-            </a:r>
-            <a:endParaRPr lang="es-ES" sz="900" dirty="0"/>
           </a:p>
         </p:txBody>
       </p:sp>
@@ -1986,7 +1861,7 @@
         <p:spPr>
           <a:xfrm>
             <a:off x="3785663" y="2746044"/>
-            <a:ext cx="1122431" cy="343441"/>
+            <a:ext cx="1122431" cy="785677"/>
           </a:xfrm>
           <a:prstGeom prst="rect">
             <a:avLst/>
@@ -2022,15 +1897,15 @@
           <a:p>
             <a:pPr algn="ctr"/>
             <a:r>
-              <a:rPr lang="es-ES" sz="900" dirty="0" smtClean="0">
+              <a:rPr lang="es-ES" sz="900" dirty="0">
                 <a:solidFill>
                   <a:schemeClr val="tx1"/>
                 </a:solidFill>
               </a:rPr>
-              <a:t>Función de </a:t>
+              <a:t>función de </a:t>
             </a:r>
             <a:r>
-              <a:rPr lang="es-ES" sz="900" i="1" dirty="0" smtClean="0">
+              <a:rPr lang="es-ES" sz="900" i="1" dirty="0">
                 <a:solidFill>
                   <a:schemeClr val="tx1"/>
                 </a:solidFill>
@@ -2038,7 +1913,7 @@
               <a:t>x,</a:t>
             </a:r>
             <a:r>
-              <a:rPr lang="es-ES" sz="900" dirty="0" smtClean="0">
+              <a:rPr lang="es-ES" sz="900" dirty="0">
                 <a:solidFill>
                   <a:schemeClr val="tx1"/>
                 </a:solidFill>
@@ -2049,7 +1924,7 @@
           <a:p>
             <a:pPr algn="ctr"/>
             <a:r>
-              <a:rPr lang="es-ES" sz="900" dirty="0" smtClean="0">
+              <a:rPr lang="es-ES" sz="900" dirty="0">
                 <a:solidFill>
                   <a:schemeClr val="tx1"/>
                 </a:solidFill>
@@ -2057,18 +1932,13 @@
               <a:t> f de </a:t>
             </a:r>
             <a:r>
-              <a:rPr lang="es-ES" sz="900" i="1" dirty="0" smtClean="0">
+              <a:rPr lang="es-ES" sz="900" i="1" dirty="0">
                 <a:solidFill>
                   <a:schemeClr val="tx1"/>
                 </a:solidFill>
               </a:rPr>
               <a:t>x</a:t>
             </a:r>
-            <a:endParaRPr lang="es-ES" sz="900" i="1" dirty="0">
-              <a:solidFill>
-                <a:schemeClr val="tx1"/>
-              </a:solidFill>
-            </a:endParaRPr>
           </a:p>
         </p:txBody>
       </p:sp>
@@ -2080,7 +1950,7 @@
         </p:nvSpPr>
         <p:spPr>
           <a:xfrm>
-            <a:off x="5128770" y="4701965"/>
+            <a:off x="5128770" y="5100556"/>
             <a:ext cx="1118927" cy="353519"/>
           </a:xfrm>
           <a:prstGeom prst="rect">
@@ -2115,18 +1985,13 @@
           <a:p>
             <a:pPr algn="ctr"/>
             <a:r>
-              <a:rPr lang="es-ES" sz="900" dirty="0" smtClean="0">
+              <a:rPr lang="es-ES" sz="900" dirty="0">
                 <a:solidFill>
                   <a:schemeClr val="tx1"/>
                 </a:solidFill>
               </a:rPr>
-              <a:t>Resolver problemas</a:t>
+              <a:t>resolver problemas</a:t>
             </a:r>
-            <a:endParaRPr lang="es-ES" sz="900" dirty="0">
-              <a:solidFill>
-                <a:schemeClr val="tx1"/>
-              </a:solidFill>
-            </a:endParaRPr>
           </a:p>
         </p:txBody>
       </p:sp>
@@ -2155,13 +2020,8 @@
             <a:pPr algn="ctr"/>
             <a:r>
               <a:rPr lang="es-ES" sz="900" dirty="0"/>
-              <a:t>s</a:t>
+              <a:t>se traducen en</a:t>
             </a:r>
-            <a:r>
-              <a:rPr lang="es-ES" sz="900" dirty="0" smtClean="0"/>
-              <a:t>e traducen en</a:t>
-            </a:r>
-            <a:endParaRPr lang="es-ES" sz="900" dirty="0"/>
           </a:p>
         </p:txBody>
       </p:sp>
@@ -2216,8 +2076,8 @@
         </p:nvCxnSpPr>
         <p:spPr>
           <a:xfrm rot="16200000" flipH="1">
-            <a:off x="6830529" y="1779788"/>
-            <a:ext cx="147844" cy="45569"/>
+            <a:off x="6802686" y="1751945"/>
+            <a:ext cx="245440" cy="3659"/>
           </a:xfrm>
           <a:prstGeom prst="bentConnector3">
             <a:avLst>
@@ -2256,8 +2116,8 @@
         </p:nvCxnSpPr>
         <p:spPr>
           <a:xfrm rot="5400000">
-            <a:off x="6218536" y="1208546"/>
-            <a:ext cx="143027" cy="1183237"/>
+            <a:off x="6190693" y="1138793"/>
+            <a:ext cx="240623" cy="1225147"/>
           </a:xfrm>
           <a:prstGeom prst="bentConnector3">
             <a:avLst>
@@ -2293,7 +2153,7 @@
         </p:nvSpPr>
         <p:spPr>
           <a:xfrm>
-            <a:off x="5130523" y="4304925"/>
+            <a:off x="5130523" y="4703516"/>
             <a:ext cx="1117174" cy="230832"/>
           </a:xfrm>
           <a:prstGeom prst="rect">
@@ -2310,13 +2170,8 @@
             <a:pPr algn="ctr"/>
             <a:r>
               <a:rPr lang="es-ES" sz="900" dirty="0"/>
-              <a:t>s</a:t>
+              <a:t>se usa para</a:t>
             </a:r>
-            <a:r>
-              <a:rPr lang="es-ES" sz="900" dirty="0" smtClean="0"/>
-              <a:t>e usa para</a:t>
-            </a:r>
-            <a:endParaRPr lang="es-ES" sz="900" dirty="0"/>
           </a:p>
         </p:txBody>
       </p:sp>
@@ -2331,7 +2186,7 @@
         </p:nvCxnSpPr>
         <p:spPr>
           <a:xfrm rot="5400000">
-            <a:off x="5601986" y="4216924"/>
+            <a:off x="5601986" y="4615515"/>
             <a:ext cx="175126" cy="877"/>
           </a:xfrm>
           <a:prstGeom prst="bentConnector3">
@@ -2371,7 +2226,7 @@
         </p:nvCxnSpPr>
         <p:spPr>
           <a:xfrm rot="5400000" flipH="1" flipV="1">
-            <a:off x="5605568" y="4618423"/>
+            <a:off x="5605568" y="5017014"/>
             <a:ext cx="166208" cy="876"/>
           </a:xfrm>
           <a:prstGeom prst="bentConnector3">
@@ -2408,7 +2263,7 @@
         </p:nvSpPr>
         <p:spPr>
           <a:xfrm>
-            <a:off x="5130523" y="3606451"/>
+            <a:off x="5130523" y="4005042"/>
             <a:ext cx="1118927" cy="523348"/>
           </a:xfrm>
           <a:prstGeom prst="rect">
@@ -2443,18 +2298,13 @@
           <a:p>
             <a:pPr algn="ctr"/>
             <a:r>
-              <a:rPr lang="es-ES" sz="900" dirty="0" smtClean="0">
+              <a:rPr lang="es-ES" sz="900" dirty="0">
                 <a:solidFill>
                   <a:schemeClr val="tx1"/>
                 </a:solidFill>
               </a:rPr>
-              <a:t>Igualdad con expresiones algebraicas</a:t>
+              <a:t>igualdad con expresiones algebraicas</a:t>
             </a:r>
-            <a:endParaRPr lang="es-ES" sz="900" dirty="0">
-              <a:solidFill>
-                <a:schemeClr val="tx1"/>
-              </a:solidFill>
-            </a:endParaRPr>
           </a:p>
         </p:txBody>
       </p:sp>
@@ -2466,7 +2316,7 @@
         </p:nvSpPr>
         <p:spPr>
           <a:xfrm>
-            <a:off x="5130523" y="3226161"/>
+            <a:off x="5130523" y="3624752"/>
             <a:ext cx="1117174" cy="230832"/>
           </a:xfrm>
           <a:prstGeom prst="rect">
@@ -2482,10 +2332,9 @@
           <a:p>
             <a:pPr algn="ctr"/>
             <a:r>
-              <a:rPr lang="es-ES" sz="900" dirty="0" smtClean="0"/>
+              <a:rPr lang="es-ES" sz="900" dirty="0"/>
               <a:t>es</a:t>
             </a:r>
-            <a:endParaRPr lang="es-ES" sz="900" dirty="0"/>
           </a:p>
         </p:txBody>
       </p:sp>
@@ -2500,8 +2349,8 @@
         </p:nvCxnSpPr>
         <p:spPr>
           <a:xfrm rot="5400000">
-            <a:off x="5622087" y="3156509"/>
-            <a:ext cx="136676" cy="2629"/>
+            <a:off x="5643910" y="3576922"/>
+            <a:ext cx="93031" cy="2629"/>
           </a:xfrm>
           <a:prstGeom prst="bentConnector3">
             <a:avLst>
@@ -2540,7 +2389,7 @@
         </p:nvCxnSpPr>
         <p:spPr>
           <a:xfrm rot="16200000" flipV="1">
-            <a:off x="5614820" y="3531283"/>
+            <a:off x="5614820" y="3929874"/>
             <a:ext cx="149458" cy="877"/>
           </a:xfrm>
           <a:prstGeom prst="bentConnector3">
@@ -2575,8 +2424,8 @@
         </p:nvSpPr>
         <p:spPr>
           <a:xfrm>
-            <a:off x="6320451" y="1497819"/>
-            <a:ext cx="1122431" cy="230832"/>
+            <a:off x="6362361" y="1440285"/>
+            <a:ext cx="1122431" cy="190770"/>
           </a:xfrm>
           <a:prstGeom prst="rect">
             <a:avLst/>
@@ -2592,13 +2441,8 @@
             <a:pPr algn="ctr"/>
             <a:r>
               <a:rPr lang="es-ES" sz="900" dirty="0"/>
-              <a:t>s</a:t>
+              <a:t>se representa con</a:t>
             </a:r>
-            <a:r>
-              <a:rPr lang="es-ES" sz="900" dirty="0" smtClean="0"/>
-              <a:t>e representa con</a:t>
-            </a:r>
-            <a:endParaRPr lang="es-ES" sz="900" dirty="0"/>
           </a:p>
         </p:txBody>
       </p:sp>
@@ -2613,8 +2457,8 @@
         </p:nvCxnSpPr>
         <p:spPr>
           <a:xfrm rot="16200000" flipH="1">
-            <a:off x="5716111" y="332263"/>
-            <a:ext cx="199882" cy="2131229"/>
+            <a:off x="5656418" y="173126"/>
+            <a:ext cx="361178" cy="2173139"/>
           </a:xfrm>
           <a:prstGeom prst="bentConnector3">
             <a:avLst>
@@ -2687,18 +2531,13 @@
           <a:p>
             <a:pPr algn="ctr"/>
             <a:r>
-              <a:rPr lang="es-ES" sz="1050" dirty="0" smtClean="0">
+              <a:rPr lang="es-ES" sz="1050" dirty="0">
                 <a:solidFill>
                   <a:schemeClr val="bg1"/>
                 </a:solidFill>
               </a:rPr>
-              <a:t>Gráficas</a:t>
+              <a:t>gráficas</a:t>
             </a:r>
-            <a:endParaRPr lang="es-ES" sz="1050" dirty="0">
-              <a:solidFill>
-                <a:schemeClr val="bg1"/>
-              </a:solidFill>
-            </a:endParaRPr>
           </a:p>
         </p:txBody>
       </p:sp>
@@ -2713,8 +2552,8 @@
         </p:nvCxnSpPr>
         <p:spPr>
           <a:xfrm rot="16200000" flipH="1">
-            <a:off x="7446237" y="1164081"/>
-            <a:ext cx="143029" cy="1272168"/>
+            <a:off x="7418394" y="1136238"/>
+            <a:ext cx="240625" cy="1230258"/>
           </a:xfrm>
           <a:prstGeom prst="bentConnector3">
             <a:avLst>
@@ -2750,7 +2589,7 @@
         </p:nvSpPr>
         <p:spPr>
           <a:xfrm>
-            <a:off x="7591462" y="2382151"/>
+            <a:off x="7595272" y="2382151"/>
             <a:ext cx="1117174" cy="230836"/>
           </a:xfrm>
           <a:prstGeom prst="rect">
@@ -2766,10 +2605,9 @@
           <a:p>
             <a:pPr algn="ctr"/>
             <a:r>
-              <a:rPr lang="es-ES" sz="900" dirty="0" smtClean="0"/>
+              <a:rPr lang="es-ES" sz="900" dirty="0"/>
               <a:t>en</a:t>
             </a:r>
-            <a:endParaRPr lang="es-ES" sz="900" dirty="0"/>
           </a:p>
         </p:txBody>
       </p:sp>
@@ -2783,9 +2621,9 @@
           <p:nvPr/>
         </p:nvCxnSpPr>
         <p:spPr>
-          <a:xfrm rot="5400000">
-            <a:off x="8075443" y="2303759"/>
-            <a:ext cx="152998" cy="3786"/>
+          <a:xfrm rot="16200000" flipH="1">
+            <a:off x="8077348" y="2305640"/>
+            <a:ext cx="152998" cy="24"/>
           </a:xfrm>
           <a:prstGeom prst="bentConnector3">
             <a:avLst>
@@ -2821,8 +2659,8 @@
         </p:nvSpPr>
         <p:spPr>
           <a:xfrm>
-            <a:off x="7586205" y="2729836"/>
-            <a:ext cx="1122431" cy="343441"/>
+            <a:off x="7591462" y="2729836"/>
+            <a:ext cx="1124746" cy="785677"/>
           </a:xfrm>
           <a:prstGeom prst="rect">
             <a:avLst/>
@@ -2858,18 +2696,13 @@
           <a:p>
             <a:pPr algn="ctr"/>
             <a:r>
-              <a:rPr lang="es-ES" sz="900" dirty="0" smtClean="0">
+              <a:rPr lang="es-ES" sz="900" dirty="0">
                 <a:solidFill>
                   <a:schemeClr val="tx1"/>
                 </a:solidFill>
               </a:rPr>
-              <a:t>Plano  cartesiano </a:t>
+              <a:t>plano  cartesiano </a:t>
             </a:r>
-            <a:endParaRPr lang="es-ES" sz="900" dirty="0">
-              <a:solidFill>
-                <a:schemeClr val="tx1"/>
-              </a:solidFill>
-            </a:endParaRPr>
           </a:p>
         </p:txBody>
       </p:sp>
@@ -2884,8 +2717,8 @@
         </p:nvCxnSpPr>
         <p:spPr>
           <a:xfrm rot="5400000">
-            <a:off x="8090311" y="2670097"/>
-            <a:ext cx="116849" cy="2628"/>
+            <a:off x="8095423" y="2671399"/>
+            <a:ext cx="116849" cy="24"/>
           </a:xfrm>
           <a:prstGeom prst="bentConnector3">
             <a:avLst>
@@ -3038,18 +2871,13 @@
           <a:p>
             <a:pPr algn="ctr"/>
             <a:r>
-              <a:rPr lang="es-ES" sz="1050" dirty="0" smtClean="0">
+              <a:rPr lang="es-ES" sz="1050" dirty="0">
                 <a:solidFill>
                   <a:schemeClr val="bg1"/>
                 </a:solidFill>
               </a:rPr>
-              <a:t>Expresiones del lenguaje común</a:t>
+              <a:t>expresiones del lenguaje común</a:t>
             </a:r>
-            <a:endParaRPr lang="es-ES" sz="1050" dirty="0">
-              <a:solidFill>
-                <a:schemeClr val="bg1"/>
-              </a:solidFill>
-            </a:endParaRPr>
           </a:p>
         </p:txBody>
       </p:sp>
@@ -3098,18 +2926,13 @@
           <a:p>
             <a:pPr algn="ctr"/>
             <a:r>
-              <a:rPr lang="es-ES" sz="1050" dirty="0" smtClean="0">
+              <a:rPr lang="es-ES" sz="1050" dirty="0">
                 <a:solidFill>
                   <a:schemeClr val="bg1"/>
                 </a:solidFill>
               </a:rPr>
-              <a:t>Tabla de valores</a:t>
+              <a:t>tabla de valores</a:t>
             </a:r>
-            <a:endParaRPr lang="es-ES" sz="1050" dirty="0">
-              <a:solidFill>
-                <a:schemeClr val="bg1"/>
-              </a:solidFill>
-            </a:endParaRPr>
           </a:p>
         </p:txBody>
       </p:sp>
@@ -3122,7 +2945,7 @@
         <p:spPr>
           <a:xfrm>
             <a:off x="5130523" y="2746044"/>
-            <a:ext cx="1122431" cy="343441"/>
+            <a:ext cx="1122431" cy="785677"/>
           </a:xfrm>
           <a:prstGeom prst="rect">
             <a:avLst/>
@@ -3158,12 +2981,12 @@
           <a:p>
             <a:pPr algn="ctr"/>
             <a:r>
-              <a:rPr lang="es-ES" sz="900" dirty="0" smtClean="0">
+              <a:rPr lang="es-ES" sz="900" dirty="0">
                 <a:solidFill>
                   <a:schemeClr val="tx1"/>
                 </a:solidFill>
               </a:rPr>
-              <a:t>Fórmula</a:t>
+              <a:t>fórmula</a:t>
             </a:r>
             <a:endParaRPr lang="es-ES" sz="900" i="1" dirty="0">
               <a:solidFill>
@@ -3183,13 +3006,6 @@
   <p:clrMapOvr>
     <a:masterClrMapping/>
   </p:clrMapOvr>
-  <p:timing>
-    <p:tnLst>
-      <p:par>
-        <p:cTn id="1" dur="indefinite" restart="never" nodeType="tmRoot"/>
-      </p:par>
-    </p:tnLst>
-  </p:timing>
 </p:sld>
 </file>
 
@@ -3448,7 +3264,7 @@
   <a:extraClrSchemeLst/>
   <a:extLst>
     <a:ext uri="{05A4C25C-085E-4340-85A3-A5531E510DB2}">
-      <thm15:themeFamily xmlns:thm15="http://schemas.microsoft.com/office/thememl/2012/main" xmlns="" name="Office Theme" id="{62F939B6-93AF-4DB8-9C6B-D6C7DFDC589F}" vid="{4A3C46E8-61CC-4603-A589-7422A47A8E4A}"/>
+      <thm15:themeFamily xmlns:thm15="http://schemas.microsoft.com/office/thememl/2012/main" name="Office Theme" id="{62F939B6-93AF-4DB8-9C6B-D6C7DFDC589F}" vid="{4A3C46E8-61CC-4603-A589-7422A47A8E4A}"/>
     </a:ext>
   </a:extLst>
 </a:theme>
